--- a/アンケート減プロトコル/20200731_快不快予備実験(アンケート減)_実験プロトコル.pptx
+++ b/アンケート減プロトコル/20200731_快不快予備実験(アンケート減)_実験プロトコル.pptx
@@ -1087,7 +1087,7 @@
           <a:p>
             <a:fld id="{38B1D7DF-4566-48A4-9FD0-C03435F9900B}" type="datetime1">
               <a:rPr lang="ja-JP" altLang="en-US" smtClean="0"/>
-              <a:t>2020/7/31</a:t>
+              <a:t>2020/9/28</a:t>
             </a:fld>
             <a:endParaRPr lang="ja-JP" altLang="en-US" dirty="0"/>
           </a:p>
@@ -1485,7 +1485,7 @@
           <a:p>
             <a:fld id="{3035D221-D913-4139-A79E-183C8A1C4F2E}" type="datetime1">
               <a:rPr lang="ja-JP" altLang="en-US" smtClean="0"/>
-              <a:t>2020/7/31</a:t>
+              <a:t>2020/9/28</a:t>
             </a:fld>
             <a:endParaRPr lang="ja-JP" altLang="en-US" dirty="0"/>
           </a:p>
@@ -1695,7 +1695,7 @@
           <a:p>
             <a:fld id="{9DF07677-47FF-4019-9D09-E06EE4650E6D}" type="datetime1">
               <a:rPr lang="ja-JP" altLang="en-US" smtClean="0"/>
-              <a:t>2020/7/31</a:t>
+              <a:t>2020/9/28</a:t>
             </a:fld>
             <a:endParaRPr lang="ja-JP" altLang="en-US" dirty="0"/>
           </a:p>
@@ -2009,7 +2009,7 @@
           <a:p>
             <a:fld id="{09451B62-E0F3-4528-A90F-5809A3F7BB8A}" type="datetime1">
               <a:rPr lang="ja-JP" altLang="en-US" smtClean="0"/>
-              <a:t>2020/7/31</a:t>
+              <a:t>2020/9/28</a:t>
             </a:fld>
             <a:endParaRPr lang="ja-JP" altLang="en-US" dirty="0"/>
           </a:p>
@@ -2588,7 +2588,7 @@
           <a:p>
             <a:fld id="{52656C16-E811-4994-BF53-B765859CE43A}" type="datetime1">
               <a:rPr lang="ja-JP" altLang="en-US" smtClean="0"/>
-              <a:t>2020/7/31</a:t>
+              <a:t>2020/9/28</a:t>
             </a:fld>
             <a:endParaRPr lang="ja-JP" altLang="en-US" dirty="0"/>
           </a:p>
@@ -2955,7 +2955,7 @@
           <a:p>
             <a:fld id="{AB741FF2-D653-41E3-B7E8-AB6DDE9F4040}" type="datetime1">
               <a:rPr lang="ja-JP" altLang="en-US" smtClean="0"/>
-              <a:t>2020/7/31</a:t>
+              <a:t>2020/9/28</a:t>
             </a:fld>
             <a:endParaRPr lang="ja-JP" altLang="en-US" dirty="0"/>
           </a:p>
@@ -3456,7 +3456,7 @@
           <a:p>
             <a:fld id="{9A60FFF2-E95B-4B59-9300-D62EF1AC6FFB}" type="datetime1">
               <a:rPr lang="ja-JP" altLang="en-US" smtClean="0"/>
-              <a:t>2020/7/31</a:t>
+              <a:t>2020/9/28</a:t>
             </a:fld>
             <a:endParaRPr lang="ja-JP" altLang="en-US" dirty="0"/>
           </a:p>
@@ -3591,7 +3591,7 @@
           <a:p>
             <a:fld id="{EBEC3300-E3AC-4AC1-A162-804925BFA574}" type="datetime1">
               <a:rPr lang="ja-JP" altLang="en-US" smtClean="0"/>
-              <a:t>2020/7/31</a:t>
+              <a:t>2020/9/28</a:t>
             </a:fld>
             <a:endParaRPr lang="ja-JP" altLang="en-US" dirty="0"/>
           </a:p>
@@ -3704,7 +3704,7 @@
           <a:p>
             <a:fld id="{BC374866-C26B-421E-8AFB-0D9F4493DCBB}" type="datetime1">
               <a:rPr lang="ja-JP" altLang="en-US" smtClean="0"/>
-              <a:t>2020/7/31</a:t>
+              <a:t>2020/9/28</a:t>
             </a:fld>
             <a:endParaRPr lang="ja-JP" altLang="en-US" dirty="0"/>
           </a:p>
@@ -4029,7 +4029,7 @@
           <a:p>
             <a:fld id="{83C685B3-91AD-4075-8A01-93405CD50C6F}" type="datetime1">
               <a:rPr lang="ja-JP" altLang="en-US" smtClean="0"/>
-              <a:t>2020/7/31</a:t>
+              <a:t>2020/9/28</a:t>
             </a:fld>
             <a:endParaRPr lang="ja-JP" altLang="en-US" dirty="0"/>
           </a:p>
@@ -4299,7 +4299,7 @@
           <a:p>
             <a:fld id="{AF4A0721-D5AB-4F1B-A336-AB0D5C93E9D6}" type="datetime1">
               <a:rPr lang="ja-JP" altLang="en-US" smtClean="0"/>
-              <a:t>2020/7/31</a:t>
+              <a:t>2020/9/28</a:t>
             </a:fld>
             <a:endParaRPr lang="ja-JP" altLang="en-US" dirty="0"/>
           </a:p>
@@ -4543,7 +4543,7 @@
           <a:p>
             <a:fld id="{73E02653-B0F4-4458-93CD-FC145C1EF204}" type="datetime1">
               <a:rPr lang="ja-JP" altLang="en-US" smtClean="0"/>
-              <a:t>2020/7/31</a:t>
+              <a:t>2020/9/28</a:t>
             </a:fld>
             <a:endParaRPr lang="ja-JP" altLang="en-US" dirty="0"/>
           </a:p>
@@ -6492,7 +6492,7 @@
                   </a:glow>
                 </a:effectLst>
               </a:rPr>
-              <a:t>32 s</a:t>
+              <a:t>56 s</a:t>
             </a:r>
             <a:endParaRPr kumimoji="1" lang="ja-JP" altLang="en-US" dirty="0">
               <a:solidFill>
@@ -6697,7 +6697,7 @@
                   </a:glow>
                 </a:effectLst>
               </a:rPr>
-              <a:t>24 s</a:t>
+              <a:t>28 s</a:t>
             </a:r>
             <a:endParaRPr kumimoji="1" lang="ja-JP" altLang="en-US" dirty="0">
               <a:solidFill>
@@ -7096,7 +7096,7 @@
                   </a:glow>
                 </a:effectLst>
               </a:rPr>
-              <a:t>24 s</a:t>
+              <a:t>28 s</a:t>
             </a:r>
             <a:endParaRPr kumimoji="1" lang="ja-JP" altLang="en-US" dirty="0">
               <a:solidFill>
